--- a/exposición/Expo.pptx
+++ b/exposición/Expo.pptx
@@ -275,7 +275,7 @@
   </p:defaultTextStyle>
   <p:extLst>
     <p:ext uri="GoogleSlidesCustomDataVersion2">
-      <go:slidesCustomData xmlns:go="http://customooxmlschemas.google.com/" r:id="rId28" roundtripDataSignature="AMtx7mjWbOnP8ETXs323AGMEfpndapG6gw=="/>
+      <go:slidesCustomData xmlns:go="http://customooxmlschemas.google.com/" r:id="rId28" roundtripDataSignature="AMtx7mglgCJEBMYJ7Jnmd/I2bSiwjbrcug=="/>
     </p:ext>
   </p:extLst>
 </p:presentation>
@@ -1902,7 +1902,7 @@
   <p:cSld>
     <p:spTree>
       <p:nvGrpSpPr>
-        <p:cNvPr id="155" name="Shape 155"/>
+        <p:cNvPr id="156" name="Shape 156"/>
         <p:cNvGrpSpPr/>
         <p:nvPr/>
       </p:nvGrpSpPr>
@@ -1916,7 +1916,7 @@
       </p:grpSpPr>
       <p:sp>
         <p:nvSpPr>
-          <p:cNvPr id="156" name="Google Shape;156;p9:notes"/>
+          <p:cNvPr id="157" name="Google Shape;157;p9:notes"/>
           <p:cNvSpPr txBox="1"/>
           <p:nvPr>
             <p:ph idx="1" type="body"/>
@@ -1963,7 +1963,7 @@
       </p:sp>
       <p:sp>
         <p:nvSpPr>
-          <p:cNvPr id="157" name="Google Shape;157;p9:notes"/>
+          <p:cNvPr id="158" name="Google Shape;158;p9:notes"/>
           <p:cNvSpPr/>
           <p:nvPr>
             <p:ph idx="2" type="sldImg"/>
@@ -2019,7 +2019,7 @@
   <p:cSld>
     <p:spTree>
       <p:nvGrpSpPr>
-        <p:cNvPr id="100" name="Shape 100"/>
+        <p:cNvPr id="101" name="Shape 101"/>
         <p:cNvGrpSpPr/>
         <p:nvPr/>
       </p:nvGrpSpPr>
@@ -2033,7 +2033,7 @@
       </p:grpSpPr>
       <p:sp>
         <p:nvSpPr>
-          <p:cNvPr id="101" name="Google Shape;101;p2:notes"/>
+          <p:cNvPr id="102" name="Google Shape;102;p2:notes"/>
           <p:cNvSpPr/>
           <p:nvPr>
             <p:ph idx="2" type="sldImg"/>
@@ -2078,7 +2078,7 @@
       </p:sp>
       <p:sp>
         <p:nvSpPr>
-          <p:cNvPr id="102" name="Google Shape;102;p2:notes"/>
+          <p:cNvPr id="103" name="Google Shape;103;p2:notes"/>
           <p:cNvSpPr txBox="1"/>
           <p:nvPr>
             <p:ph idx="1" type="body"/>
@@ -2125,7 +2125,7 @@
       </p:sp>
       <p:sp>
         <p:nvSpPr>
-          <p:cNvPr id="103" name="Google Shape;103;p2:notes"/>
+          <p:cNvPr id="104" name="Google Shape;104;p2:notes"/>
           <p:cNvSpPr txBox="1"/>
           <p:nvPr>
             <p:ph idx="12" type="sldNum"/>
@@ -2184,7 +2184,7 @@
   <p:cSld>
     <p:spTree>
       <p:nvGrpSpPr>
-        <p:cNvPr id="108" name="Shape 108"/>
+        <p:cNvPr id="109" name="Shape 109"/>
         <p:cNvGrpSpPr/>
         <p:nvPr/>
       </p:nvGrpSpPr>
@@ -2198,7 +2198,7 @@
       </p:grpSpPr>
       <p:sp>
         <p:nvSpPr>
-          <p:cNvPr id="109" name="Google Shape;109;p3:notes"/>
+          <p:cNvPr id="110" name="Google Shape;110;p3:notes"/>
           <p:cNvSpPr txBox="1"/>
           <p:nvPr>
             <p:ph idx="1" type="body"/>
@@ -2245,7 +2245,7 @@
       </p:sp>
       <p:sp>
         <p:nvSpPr>
-          <p:cNvPr id="110" name="Google Shape;110;p3:notes"/>
+          <p:cNvPr id="111" name="Google Shape;111;p3:notes"/>
           <p:cNvSpPr/>
           <p:nvPr>
             <p:ph idx="2" type="sldImg"/>
@@ -2301,7 +2301,7 @@
   <p:cSld>
     <p:spTree>
       <p:nvGrpSpPr>
-        <p:cNvPr id="115" name="Shape 115"/>
+        <p:cNvPr id="116" name="Shape 116"/>
         <p:cNvGrpSpPr/>
         <p:nvPr/>
       </p:nvGrpSpPr>
@@ -2315,7 +2315,7 @@
       </p:grpSpPr>
       <p:sp>
         <p:nvSpPr>
-          <p:cNvPr id="116" name="Google Shape;116;p4:notes"/>
+          <p:cNvPr id="117" name="Google Shape;117;p4:notes"/>
           <p:cNvSpPr txBox="1"/>
           <p:nvPr>
             <p:ph idx="1" type="body"/>
@@ -2362,7 +2362,7 @@
       </p:sp>
       <p:sp>
         <p:nvSpPr>
-          <p:cNvPr id="117" name="Google Shape;117;p4:notes"/>
+          <p:cNvPr id="118" name="Google Shape;118;p4:notes"/>
           <p:cNvSpPr/>
           <p:nvPr>
             <p:ph idx="2" type="sldImg"/>
@@ -2418,7 +2418,7 @@
   <p:cSld>
     <p:spTree>
       <p:nvGrpSpPr>
-        <p:cNvPr id="121" name="Shape 121"/>
+        <p:cNvPr id="122" name="Shape 122"/>
         <p:cNvGrpSpPr/>
         <p:nvPr/>
       </p:nvGrpSpPr>
@@ -2432,7 +2432,7 @@
       </p:grpSpPr>
       <p:sp>
         <p:nvSpPr>
-          <p:cNvPr id="122" name="Google Shape;122;p5:notes"/>
+          <p:cNvPr id="123" name="Google Shape;123;p5:notes"/>
           <p:cNvSpPr txBox="1"/>
           <p:nvPr>
             <p:ph idx="1" type="body"/>
@@ -2479,7 +2479,7 @@
       </p:sp>
       <p:sp>
         <p:nvSpPr>
-          <p:cNvPr id="123" name="Google Shape;123;p5:notes"/>
+          <p:cNvPr id="124" name="Google Shape;124;p5:notes"/>
           <p:cNvSpPr/>
           <p:nvPr>
             <p:ph idx="2" type="sldImg"/>
@@ -2535,7 +2535,7 @@
   <p:cSld>
     <p:spTree>
       <p:nvGrpSpPr>
-        <p:cNvPr id="127" name="Shape 127"/>
+        <p:cNvPr id="128" name="Shape 128"/>
         <p:cNvGrpSpPr/>
         <p:nvPr/>
       </p:nvGrpSpPr>
@@ -2549,7 +2549,7 @@
       </p:grpSpPr>
       <p:sp>
         <p:nvSpPr>
-          <p:cNvPr id="128" name="Google Shape;128;p6:notes"/>
+          <p:cNvPr id="129" name="Google Shape;129;p6:notes"/>
           <p:cNvSpPr txBox="1"/>
           <p:nvPr>
             <p:ph idx="1" type="body"/>
@@ -2596,7 +2596,7 @@
       </p:sp>
       <p:sp>
         <p:nvSpPr>
-          <p:cNvPr id="129" name="Google Shape;129;p6:notes"/>
+          <p:cNvPr id="130" name="Google Shape;130;p6:notes"/>
           <p:cNvSpPr/>
           <p:nvPr>
             <p:ph idx="2" type="sldImg"/>
@@ -2652,7 +2652,7 @@
   <p:cSld>
     <p:spTree>
       <p:nvGrpSpPr>
-        <p:cNvPr id="133" name="Shape 133"/>
+        <p:cNvPr id="134" name="Shape 134"/>
         <p:cNvGrpSpPr/>
         <p:nvPr/>
       </p:nvGrpSpPr>
@@ -2666,7 +2666,7 @@
       </p:grpSpPr>
       <p:sp>
         <p:nvSpPr>
-          <p:cNvPr id="134" name="Google Shape;134;p7:notes"/>
+          <p:cNvPr id="135" name="Google Shape;135;p7:notes"/>
           <p:cNvSpPr txBox="1"/>
           <p:nvPr>
             <p:ph idx="1" type="body"/>
@@ -2713,7 +2713,7 @@
       </p:sp>
       <p:sp>
         <p:nvSpPr>
-          <p:cNvPr id="135" name="Google Shape;135;p7:notes"/>
+          <p:cNvPr id="136" name="Google Shape;136;p7:notes"/>
           <p:cNvSpPr/>
           <p:nvPr>
             <p:ph idx="2" type="sldImg"/>
@@ -2769,7 +2769,7 @@
   <p:cSld>
     <p:spTree>
       <p:nvGrpSpPr>
-        <p:cNvPr id="141" name="Shape 141"/>
+        <p:cNvPr id="142" name="Shape 142"/>
         <p:cNvGrpSpPr/>
         <p:nvPr/>
       </p:nvGrpSpPr>
@@ -2783,7 +2783,7 @@
       </p:grpSpPr>
       <p:sp>
         <p:nvSpPr>
-          <p:cNvPr id="142" name="Google Shape;142;p8:notes"/>
+          <p:cNvPr id="143" name="Google Shape;143;p8:notes"/>
           <p:cNvSpPr txBox="1"/>
           <p:nvPr>
             <p:ph idx="1" type="body"/>
@@ -2830,7 +2830,7 @@
       </p:sp>
       <p:sp>
         <p:nvSpPr>
-          <p:cNvPr id="143" name="Google Shape;143;p8:notes"/>
+          <p:cNvPr id="144" name="Google Shape;144;p8:notes"/>
           <p:cNvSpPr/>
           <p:nvPr>
             <p:ph idx="2" type="sldImg"/>
@@ -2886,7 +2886,7 @@
   <p:cSld>
     <p:spTree>
       <p:nvGrpSpPr>
-        <p:cNvPr id="149" name="Shape 149"/>
+        <p:cNvPr id="150" name="Shape 150"/>
         <p:cNvGrpSpPr/>
         <p:nvPr/>
       </p:nvGrpSpPr>
@@ -2900,7 +2900,7 @@
       </p:grpSpPr>
       <p:sp>
         <p:nvSpPr>
-          <p:cNvPr id="150" name="Google Shape;150;g1e45831d18a_3_9:notes"/>
+          <p:cNvPr id="151" name="Google Shape;151;g1e45831d18a_3_9:notes"/>
           <p:cNvSpPr txBox="1"/>
           <p:nvPr>
             <p:ph idx="1" type="body"/>
@@ -2947,7 +2947,7 @@
       </p:sp>
       <p:sp>
         <p:nvSpPr>
-          <p:cNvPr id="151" name="Google Shape;151;g1e45831d18a_3_9:notes"/>
+          <p:cNvPr id="152" name="Google Shape;152;g1e45831d18a_3_9:notes"/>
           <p:cNvSpPr/>
           <p:nvPr>
             <p:ph idx="2" type="sldImg"/>
@@ -17002,8 +17002,8 @@
         </p:nvSpPr>
         <p:spPr>
           <a:xfrm>
-            <a:off x="995421" y="2551837"/>
-            <a:ext cx="7710833" cy="923289"/>
+            <a:off x="3203748" y="3157500"/>
+            <a:ext cx="3486600" cy="923400"/>
           </a:xfrm>
           <a:prstGeom prst="rect">
             <a:avLst/>
@@ -17046,7 +17046,7 @@
                 <a:cs typeface="Work Sans"/>
                 <a:sym typeface="Work Sans"/>
               </a:rPr>
-              <a:t>Dollhack</a:t>
+              <a:t>Dolhack</a:t>
             </a:r>
             <a:endParaRPr b="1" i="0" sz="4000" u="none" cap="none" strike="noStrike">
               <a:solidFill>
@@ -17060,6 +17060,34 @@
           </a:p>
         </p:txBody>
       </p:sp>
+      <p:pic>
+        <p:nvPicPr>
+          <p:cNvPr id="100" name="Google Shape;100;p1"/>
+          <p:cNvPicPr preferRelativeResize="0"/>
+          <p:nvPr/>
+        </p:nvPicPr>
+        <p:blipFill>
+          <a:blip r:embed="rId3">
+            <a:alphaModFix/>
+          </a:blip>
+          <a:stretch>
+            <a:fillRect/>
+          </a:stretch>
+        </p:blipFill>
+        <p:spPr>
+          <a:xfrm>
+            <a:off x="-637300" y="1985775"/>
+            <a:ext cx="5268324" cy="2963425"/>
+          </a:xfrm>
+          <a:prstGeom prst="rect">
+            <a:avLst/>
+          </a:prstGeom>
+          <a:noFill/>
+          <a:ln>
+            <a:noFill/>
+          </a:ln>
+        </p:spPr>
+      </p:pic>
     </p:spTree>
   </p:cSld>
   <p:clrMapOvr>
@@ -17073,7 +17101,7 @@
   <p:cSld>
     <p:spTree>
       <p:nvGrpSpPr>
-        <p:cNvPr id="158" name="Shape 158"/>
+        <p:cNvPr id="159" name="Shape 159"/>
         <p:cNvGrpSpPr/>
         <p:nvPr/>
       </p:nvGrpSpPr>
@@ -17087,7 +17115,7 @@
       </p:grpSpPr>
       <p:pic>
         <p:nvPicPr>
-          <p:cNvPr descr="Imagen que contiene Interfaz de usuario gráfica&#10;&#10;Descripción generada automáticamente" id="159" name="Google Shape;159;p9"/>
+          <p:cNvPr descr="Imagen que contiene Interfaz de usuario gráfica&#10;&#10;Descripción generada automáticamente" id="160" name="Google Shape;160;p9"/>
           <p:cNvPicPr preferRelativeResize="0"/>
           <p:nvPr/>
         </p:nvPicPr>
@@ -17125,7 +17153,7 @@
   <p:cSld>
     <p:spTree>
       <p:nvGrpSpPr>
-        <p:cNvPr id="104" name="Shape 104"/>
+        <p:cNvPr id="105" name="Shape 105"/>
         <p:cNvGrpSpPr/>
         <p:nvPr/>
       </p:nvGrpSpPr>
@@ -17139,7 +17167,7 @@
       </p:grpSpPr>
       <p:sp>
         <p:nvSpPr>
-          <p:cNvPr id="105" name="Google Shape;105;p2"/>
+          <p:cNvPr id="106" name="Google Shape;106;p2"/>
           <p:cNvSpPr txBox="1"/>
           <p:nvPr/>
         </p:nvSpPr>
@@ -17220,10 +17248,38 @@
                 <a:cs typeface="Work Sans Light"/>
                 <a:sym typeface="Work Sans Light"/>
               </a:rPr>
-              <a:t>Kevin St</a:t>
+              <a:t>Kevin Stiven pava correales</a:t>
             </a:r>
+            <a:endParaRPr b="0" i="0" sz="1400" u="none" cap="none" strike="noStrike">
+              <a:solidFill>
+                <a:srgbClr val="000000"/>
+              </a:solidFill>
+              <a:latin typeface="Arial"/>
+              <a:ea typeface="Arial"/>
+              <a:cs typeface="Arial"/>
+              <a:sym typeface="Arial"/>
+            </a:endParaRPr>
+          </a:p>
+          <a:p>
+            <a:pPr indent="0" lvl="0" marL="0" marR="0" rtl="0" algn="ctr">
+              <a:lnSpc>
+                <a:spcPct val="100000"/>
+              </a:lnSpc>
+              <a:spcBef>
+                <a:spcPts val="0"/>
+              </a:spcBef>
+              <a:spcAft>
+                <a:spcPts val="0"/>
+              </a:spcAft>
+              <a:buClr>
+                <a:srgbClr val="000000"/>
+              </a:buClr>
+              <a:buSzPts val="7200"/>
+              <a:buFont typeface="Arial"/>
+              <a:buNone/>
+            </a:pPr>
             <a:r>
-              <a:rPr lang="es-CO" sz="2400">
+              <a:rPr b="0" i="0" lang="es-CO" sz="2400" u="none" cap="none" strike="noStrike">
                 <a:solidFill>
                   <a:schemeClr val="dk1"/>
                 </a:solidFill>
@@ -17232,65 +17288,17 @@
                 <a:cs typeface="Work Sans Light"/>
                 <a:sym typeface="Work Sans Light"/>
               </a:rPr>
-              <a:t>i</a:t>
+              <a:t>Juan miguel Tarazona ramirez</a:t>
             </a:r>
-            <a:r>
-              <a:rPr b="0" i="0" lang="es-CO" sz="2400" u="none" cap="none" strike="noStrike">
-                <a:solidFill>
-                  <a:schemeClr val="dk1"/>
-                </a:solidFill>
-                <a:latin typeface="Work Sans Light"/>
-                <a:ea typeface="Work Sans Light"/>
-                <a:cs typeface="Work Sans Light"/>
-                <a:sym typeface="Work Sans Light"/>
-              </a:rPr>
-              <a:t>ven pava correales</a:t>
-            </a:r>
-            <a:endParaRPr/>
-          </a:p>
-          <a:p>
-            <a:pPr indent="0" lvl="0" marL="0" marR="0" rtl="0" algn="ctr">
-              <a:lnSpc>
-                <a:spcPct val="100000"/>
-              </a:lnSpc>
-              <a:spcBef>
-                <a:spcPts val="0"/>
-              </a:spcBef>
-              <a:spcAft>
-                <a:spcPts val="0"/>
-              </a:spcAft>
-              <a:buClr>
-                <a:srgbClr val="000000"/>
-              </a:buClr>
-              <a:buSzPts val="7200"/>
-              <a:buFont typeface="Arial"/>
-              <a:buNone/>
-            </a:pPr>
-            <a:r>
-              <a:rPr b="0" i="0" lang="es-CO" sz="2400" u="none" cap="none" strike="noStrike">
-                <a:solidFill>
-                  <a:schemeClr val="dk1"/>
-                </a:solidFill>
-                <a:latin typeface="Work Sans Light"/>
-                <a:ea typeface="Work Sans Light"/>
-                <a:cs typeface="Work Sans Light"/>
-                <a:sym typeface="Work Sans Light"/>
-              </a:rPr>
-              <a:t>Juan miguel Tarazona</a:t>
-            </a:r>
-            <a:r>
-              <a:rPr lang="es-CO" sz="2400">
-                <a:solidFill>
-                  <a:schemeClr val="dk1"/>
-                </a:solidFill>
-                <a:latin typeface="Work Sans Light"/>
-                <a:ea typeface="Work Sans Light"/>
-                <a:cs typeface="Work Sans Light"/>
-                <a:sym typeface="Work Sans Light"/>
-              </a:rPr>
-              <a:t> ramirez</a:t>
-            </a:r>
-            <a:endParaRPr/>
+            <a:endParaRPr b="0" i="0" sz="1400" u="none" cap="none" strike="noStrike">
+              <a:solidFill>
+                <a:srgbClr val="000000"/>
+              </a:solidFill>
+              <a:latin typeface="Arial"/>
+              <a:ea typeface="Arial"/>
+              <a:cs typeface="Arial"/>
+              <a:sym typeface="Arial"/>
+            </a:endParaRPr>
           </a:p>
           <a:p>
             <a:pPr indent="0" lvl="0" marL="0" marR="0" rtl="0" algn="ctr">
@@ -17336,7 +17344,7 @@
       </p:sp>
       <p:cxnSp>
         <p:nvCxnSpPr>
-          <p:cNvPr id="106" name="Google Shape;106;p2"/>
+          <p:cNvPr id="107" name="Google Shape;107;p2"/>
           <p:cNvCxnSpPr/>
           <p:nvPr/>
         </p:nvCxnSpPr>
@@ -17362,7 +17370,7 @@
       </p:cxnSp>
       <p:sp>
         <p:nvSpPr>
-          <p:cNvPr id="107" name="Google Shape;107;p2"/>
+          <p:cNvPr id="108" name="Google Shape;108;p2"/>
           <p:cNvSpPr txBox="1"/>
           <p:nvPr/>
         </p:nvSpPr>
@@ -17450,7 +17458,7 @@
   <p:cSld>
     <p:spTree>
       <p:nvGrpSpPr>
-        <p:cNvPr id="111" name="Shape 111"/>
+        <p:cNvPr id="112" name="Shape 112"/>
         <p:cNvGrpSpPr/>
         <p:nvPr/>
       </p:nvGrpSpPr>
@@ -17464,7 +17472,7 @@
       </p:grpSpPr>
       <p:sp>
         <p:nvSpPr>
-          <p:cNvPr id="112" name="Google Shape;112;p3"/>
+          <p:cNvPr id="113" name="Google Shape;113;p3"/>
           <p:cNvSpPr txBox="1"/>
           <p:nvPr>
             <p:ph type="title"/>
@@ -17532,7 +17540,7 @@
       </p:sp>
       <p:sp>
         <p:nvSpPr>
-          <p:cNvPr id="113" name="Google Shape;113;p3"/>
+          <p:cNvPr id="114" name="Google Shape;114;p3"/>
           <p:cNvSpPr txBox="1"/>
           <p:nvPr/>
         </p:nvSpPr>
@@ -17565,6 +17573,11 @@
               <a:spcAft>
                 <a:spcPts val="0"/>
               </a:spcAft>
+              <a:buClr>
+                <a:srgbClr val="000000"/>
+              </a:buClr>
+              <a:buSzPts val="1400"/>
+              <a:buFont typeface="Arial"/>
               <a:buNone/>
             </a:pPr>
             <a:r>
@@ -17584,7 +17597,7 @@
       </p:sp>
       <p:sp>
         <p:nvSpPr>
-          <p:cNvPr id="114" name="Google Shape;114;p3"/>
+          <p:cNvPr id="115" name="Google Shape;115;p3"/>
           <p:cNvSpPr txBox="1"/>
           <p:nvPr/>
         </p:nvSpPr>
@@ -17617,6 +17630,11 @@
               <a:spcAft>
                 <a:spcPts val="0"/>
               </a:spcAft>
+              <a:buClr>
+                <a:srgbClr val="000000"/>
+              </a:buClr>
+              <a:buSzPts val="2800"/>
+              <a:buFont typeface="Arial"/>
               <a:buNone/>
             </a:pPr>
             <a:r>
@@ -17629,115 +17647,7 @@
                 <a:cs typeface="Roboto"/>
                 <a:sym typeface="Roboto"/>
               </a:rPr>
-              <a:t>- La Empresa DolHack, se encarga de prestar el servicio de aprendizaje online para los nuevos desarrolladores, actualmente no cuenta con un </a:t>
-            </a:r>
-            <a:r>
-              <a:rPr lang="es-CO" sz="2800">
-                <a:solidFill>
-                  <a:srgbClr val="202124"/>
-                </a:solidFill>
-                <a:latin typeface="Roboto"/>
-                <a:ea typeface="Roboto"/>
-                <a:cs typeface="Roboto"/>
-                <a:sym typeface="Roboto"/>
-              </a:rPr>
-              <a:t>sistema de</a:t>
-            </a:r>
-            <a:r>
-              <a:rPr b="0" i="0" lang="es-CO" sz="2800" u="none" cap="none" strike="noStrike">
-                <a:solidFill>
-                  <a:srgbClr val="202124"/>
-                </a:solidFill>
-                <a:latin typeface="Roboto"/>
-                <a:ea typeface="Roboto"/>
-                <a:cs typeface="Roboto"/>
-                <a:sym typeface="Roboto"/>
-              </a:rPr>
-              <a:t> aprendizaje </a:t>
-            </a:r>
-            <a:r>
-              <a:rPr lang="es-CO" sz="2800">
-                <a:solidFill>
-                  <a:srgbClr val="202124"/>
-                </a:solidFill>
-                <a:latin typeface="Roboto"/>
-                <a:ea typeface="Roboto"/>
-                <a:cs typeface="Roboto"/>
-                <a:sym typeface="Roboto"/>
-              </a:rPr>
-              <a:t>propio  y </a:t>
-            </a:r>
-            <a:r>
-              <a:rPr lang="es-CO" sz="2800">
-                <a:solidFill>
-                  <a:srgbClr val="202124"/>
-                </a:solidFill>
-                <a:latin typeface="Roboto"/>
-                <a:ea typeface="Roboto"/>
-                <a:cs typeface="Roboto"/>
-                <a:sym typeface="Roboto"/>
-              </a:rPr>
-              <a:t>cómodo</a:t>
-            </a:r>
-            <a:r>
-              <a:rPr b="0" i="0" lang="es-CO" sz="2800" u="none" cap="none" strike="noStrike">
-                <a:solidFill>
-                  <a:srgbClr val="202124"/>
-                </a:solidFill>
-                <a:latin typeface="Roboto"/>
-                <a:ea typeface="Roboto"/>
-                <a:cs typeface="Roboto"/>
-                <a:sym typeface="Roboto"/>
-              </a:rPr>
-              <a:t>, que brinde un acompañamiento sincrónico, generando así dificultad en el proceso de aprendizaje y adquisición de conocimientos </a:t>
-            </a:r>
-            <a:r>
-              <a:rPr lang="es-CO" sz="2800">
-                <a:solidFill>
-                  <a:srgbClr val="202124"/>
-                </a:solidFill>
-                <a:latin typeface="Roboto"/>
-                <a:ea typeface="Roboto"/>
-                <a:cs typeface="Roboto"/>
-                <a:sym typeface="Roboto"/>
-              </a:rPr>
-              <a:t>con clases, </a:t>
-            </a:r>
-            <a:r>
-              <a:rPr lang="es-CO" sz="2800">
-                <a:solidFill>
-                  <a:srgbClr val="202124"/>
-                </a:solidFill>
-                <a:latin typeface="Roboto"/>
-                <a:ea typeface="Roboto"/>
-                <a:cs typeface="Roboto"/>
-                <a:sym typeface="Roboto"/>
-              </a:rPr>
-              <a:t>exámenes</a:t>
-            </a:r>
-            <a:r>
-              <a:rPr lang="es-CO" sz="2800">
-                <a:solidFill>
-                  <a:srgbClr val="202124"/>
-                </a:solidFill>
-                <a:latin typeface="Roboto"/>
-                <a:ea typeface="Roboto"/>
-                <a:cs typeface="Roboto"/>
-                <a:sym typeface="Roboto"/>
-              </a:rPr>
-              <a:t> y lista de estudiantes</a:t>
-            </a:r>
-            <a:r>
-              <a:rPr b="0" i="0" lang="es-CO" sz="2800" u="none" cap="none" strike="noStrike">
-                <a:solidFill>
-                  <a:srgbClr val="202124"/>
-                </a:solidFill>
-                <a:latin typeface="Roboto"/>
-                <a:ea typeface="Roboto"/>
-                <a:cs typeface="Roboto"/>
-                <a:sym typeface="Roboto"/>
-              </a:rPr>
-              <a:t>.</a:t>
+              <a:t>- La Empresa DolHack, se encarga de prestar el servicio de aprendizaje online para los nuevos desarrolladores, actualmente no cuenta con un sistema de aprendizaje propio  y cómodo, que brinde un acompañamiento sincrónico, generando así dificultad en el proceso de aprendizaje y adquisición de conocimientos con clases, exámenes y lista de estudiantes.</a:t>
             </a:r>
             <a:endParaRPr b="0" i="0" sz="2000" u="none" cap="none" strike="noStrike">
               <a:solidFill>
@@ -17764,7 +17674,7 @@
   <p:cSld>
     <p:spTree>
       <p:nvGrpSpPr>
-        <p:cNvPr id="118" name="Shape 118"/>
+        <p:cNvPr id="119" name="Shape 119"/>
         <p:cNvGrpSpPr/>
         <p:nvPr/>
       </p:nvGrpSpPr>
@@ -17778,7 +17688,7 @@
       </p:grpSpPr>
       <p:sp>
         <p:nvSpPr>
-          <p:cNvPr id="119" name="Google Shape;119;p4"/>
+          <p:cNvPr id="120" name="Google Shape;120;p4"/>
           <p:cNvSpPr txBox="1"/>
           <p:nvPr>
             <p:ph type="title"/>
@@ -17842,7 +17752,7 @@
       </p:sp>
       <p:sp>
         <p:nvSpPr>
-          <p:cNvPr id="120" name="Google Shape;120;p4"/>
+          <p:cNvPr id="121" name="Google Shape;121;p4"/>
           <p:cNvSpPr/>
           <p:nvPr/>
         </p:nvSpPr>
@@ -17865,7 +17775,7 @@
           </a:bodyPr>
           <a:lstStyle/>
           <a:p>
-            <a:pPr indent="-127000" lvl="0" marL="0" marR="0" rtl="0" algn="l">
+            <a:pPr indent="0" lvl="0" marL="0" marR="0" rtl="0" algn="l">
               <a:lnSpc>
                 <a:spcPct val="100000"/>
               </a:lnSpc>
@@ -17919,7 +17829,7 @@
   <p:cSld>
     <p:spTree>
       <p:nvGrpSpPr>
-        <p:cNvPr id="124" name="Shape 124"/>
+        <p:cNvPr id="125" name="Shape 125"/>
         <p:cNvGrpSpPr/>
         <p:nvPr/>
       </p:nvGrpSpPr>
@@ -17933,7 +17843,7 @@
       </p:grpSpPr>
       <p:sp>
         <p:nvSpPr>
-          <p:cNvPr id="125" name="Google Shape;125;p5"/>
+          <p:cNvPr id="126" name="Google Shape;126;p5"/>
           <p:cNvSpPr txBox="1"/>
           <p:nvPr>
             <p:ph type="title"/>
@@ -18001,7 +17911,7 @@
       </p:sp>
       <p:sp>
         <p:nvSpPr>
-          <p:cNvPr id="126" name="Google Shape;126;p5"/>
+          <p:cNvPr id="127" name="Google Shape;127;p5"/>
           <p:cNvSpPr/>
           <p:nvPr/>
         </p:nvSpPr>
@@ -18034,10 +17944,23 @@
               <a:spcAft>
                 <a:spcPts val="0"/>
               </a:spcAft>
+              <a:buClr>
+                <a:srgbClr val="000000"/>
+              </a:buClr>
+              <a:buSzPts val="2400"/>
+              <a:buFont typeface="Arial"/>
               <a:buNone/>
             </a:pPr>
             <a:r>
-              <a:rPr lang="es-CO" sz="2400"/>
+              <a:rPr b="0" i="0" lang="es-CO" sz="2400" u="none" cap="none" strike="noStrike">
+                <a:solidFill>
+                  <a:srgbClr val="000000"/>
+                </a:solidFill>
+                <a:latin typeface="Arial"/>
+                <a:ea typeface="Arial"/>
+                <a:cs typeface="Arial"/>
+                <a:sym typeface="Arial"/>
+              </a:rPr>
               <a:t>Crear un sistema de información educativo que fortalezca los procesos de aprendizaje de la programación para aquellos que se inician en el campo del desarrollo</a:t>
             </a:r>
             <a:endParaRPr b="0" i="0" sz="1800" u="none" cap="none" strike="noStrike">
@@ -18065,7 +17988,7 @@
   <p:cSld>
     <p:spTree>
       <p:nvGrpSpPr>
-        <p:cNvPr id="130" name="Shape 130"/>
+        <p:cNvPr id="131" name="Shape 131"/>
         <p:cNvGrpSpPr/>
         <p:nvPr/>
       </p:nvGrpSpPr>
@@ -18079,7 +18002,7 @@
       </p:grpSpPr>
       <p:sp>
         <p:nvSpPr>
-          <p:cNvPr id="131" name="Google Shape;131;p6"/>
+          <p:cNvPr id="132" name="Google Shape;132;p6"/>
           <p:cNvSpPr txBox="1"/>
           <p:nvPr>
             <p:ph type="title"/>
@@ -18147,7 +18070,7 @@
       </p:sp>
       <p:sp>
         <p:nvSpPr>
-          <p:cNvPr id="132" name="Google Shape;132;p6"/>
+          <p:cNvPr id="133" name="Google Shape;133;p6"/>
           <p:cNvSpPr txBox="1"/>
           <p:nvPr/>
         </p:nvSpPr>
@@ -18170,7 +18093,7 @@
           </a:bodyPr>
           <a:lstStyle/>
           <a:p>
-            <a:pPr indent="-381000" lvl="0" marL="457200" rtl="0" algn="l">
+            <a:pPr indent="-381000" lvl="0" marL="457200" marR="0" rtl="0" algn="l">
               <a:lnSpc>
                 <a:spcPct val="115000"/>
               </a:lnSpc>
@@ -18184,40 +18107,33 @@
                 <a:schemeClr val="dk1"/>
               </a:buClr>
               <a:buSzPts val="2400"/>
+              <a:buFont typeface="Arial"/>
               <a:buChar char="●"/>
             </a:pPr>
             <a:r>
-              <a:rPr lang="es-CO" sz="2400">
+              <a:rPr b="0" i="0" lang="es-CO" sz="2400" u="none" cap="none" strike="noStrike">
                 <a:solidFill>
                   <a:schemeClr val="dk1"/>
                 </a:solidFill>
+                <a:latin typeface="Arial"/>
+                <a:ea typeface="Arial"/>
+                <a:cs typeface="Arial"/>
+                <a:sym typeface="Arial"/>
               </a:rPr>
-              <a:t>Gestionar la </a:t>
+              <a:t>Gestionar la creación de clases para darles un espacio de aprendizaje diferente para cada docente.</a:t>
             </a:r>
-            <a:r>
-              <a:rPr lang="es-CO" sz="2400">
-                <a:solidFill>
-                  <a:schemeClr val="dk1"/>
-                </a:solidFill>
-              </a:rPr>
-              <a:t>creación</a:t>
-            </a:r>
-            <a:r>
-              <a:rPr lang="es-CO" sz="2400">
-                <a:solidFill>
-                  <a:schemeClr val="dk1"/>
-                </a:solidFill>
-              </a:rPr>
-              <a:t> de clases para darles un espacio de aprendizaje diferente para cada docente.</a:t>
-            </a:r>
-            <a:endParaRPr sz="2400">
+            <a:endParaRPr b="0" i="0" sz="2400" u="none" cap="none" strike="noStrike">
               <a:solidFill>
                 <a:schemeClr val="dk1"/>
               </a:solidFill>
+              <a:latin typeface="Arial"/>
+              <a:ea typeface="Arial"/>
+              <a:cs typeface="Arial"/>
+              <a:sym typeface="Arial"/>
             </a:endParaRPr>
           </a:p>
           <a:p>
-            <a:pPr indent="-381000" lvl="0" marL="457200" rtl="0" algn="l">
+            <a:pPr indent="-381000" lvl="0" marL="457200" marR="0" rtl="0" algn="l">
               <a:lnSpc>
                 <a:spcPct val="115000"/>
               </a:lnSpc>
@@ -18231,40 +18147,33 @@
                 <a:schemeClr val="dk1"/>
               </a:buClr>
               <a:buSzPts val="2400"/>
+              <a:buFont typeface="Arial"/>
               <a:buChar char="●"/>
             </a:pPr>
             <a:r>
-              <a:rPr lang="es-CO" sz="2400">
+              <a:rPr b="0" i="0" lang="es-CO" sz="2400" u="none" cap="none" strike="noStrike">
                 <a:solidFill>
                   <a:schemeClr val="dk1"/>
                 </a:solidFill>
+                <a:latin typeface="Arial"/>
+                <a:ea typeface="Arial"/>
+                <a:cs typeface="Arial"/>
+                <a:sym typeface="Arial"/>
               </a:rPr>
-              <a:t>Generar </a:t>
+              <a:t>Generar exámenes por parte del docente que permita evaluar los conocimientos de los estudiantes con preguntas.</a:t>
             </a:r>
-            <a:r>
-              <a:rPr lang="es-CO" sz="2400">
-                <a:solidFill>
-                  <a:schemeClr val="dk1"/>
-                </a:solidFill>
-              </a:rPr>
-              <a:t>exámenes</a:t>
-            </a:r>
-            <a:r>
-              <a:rPr lang="es-CO" sz="2400">
-                <a:solidFill>
-                  <a:schemeClr val="dk1"/>
-                </a:solidFill>
-              </a:rPr>
-              <a:t> por parte del docente que permita evaluar los conocimientos de los estudiantes con preguntas.</a:t>
-            </a:r>
-            <a:endParaRPr sz="2400">
+            <a:endParaRPr b="0" i="0" sz="2400" u="none" cap="none" strike="noStrike">
               <a:solidFill>
                 <a:schemeClr val="dk1"/>
               </a:solidFill>
+              <a:latin typeface="Arial"/>
+              <a:ea typeface="Arial"/>
+              <a:cs typeface="Arial"/>
+              <a:sym typeface="Arial"/>
             </a:endParaRPr>
           </a:p>
           <a:p>
-            <a:pPr indent="-381000" lvl="0" marL="457200" rtl="0" algn="l">
+            <a:pPr indent="-381000" lvl="0" marL="457200" marR="0" rtl="0" algn="l">
               <a:lnSpc>
                 <a:spcPct val="115000"/>
               </a:lnSpc>
@@ -18278,24 +18187,33 @@
                 <a:schemeClr val="dk1"/>
               </a:buClr>
               <a:buSzPts val="2400"/>
+              <a:buFont typeface="Arial"/>
               <a:buChar char="●"/>
             </a:pPr>
             <a:r>
-              <a:rPr lang="es-CO" sz="2400">
+              <a:rPr b="0" i="0" lang="es-CO" sz="2400" u="none" cap="none" strike="noStrike">
                 <a:solidFill>
                   <a:schemeClr val="dk1"/>
                 </a:solidFill>
+                <a:latin typeface="Arial"/>
+                <a:ea typeface="Arial"/>
+                <a:cs typeface="Arial"/>
+                <a:sym typeface="Arial"/>
               </a:rPr>
               <a:t>Administrar calificaciones de los estudiantes para darles un aprobado en su aprendizaje.</a:t>
             </a:r>
-            <a:endParaRPr sz="2400">
+            <a:endParaRPr b="0" i="0" sz="2400" u="none" cap="none" strike="noStrike">
               <a:solidFill>
                 <a:schemeClr val="dk1"/>
               </a:solidFill>
+              <a:latin typeface="Arial"/>
+              <a:ea typeface="Arial"/>
+              <a:cs typeface="Arial"/>
+              <a:sym typeface="Arial"/>
             </a:endParaRPr>
           </a:p>
           <a:p>
-            <a:pPr indent="0" lvl="0" marL="0" rtl="0" algn="l">
+            <a:pPr indent="0" lvl="0" marL="0" marR="0" rtl="0" algn="l">
               <a:lnSpc>
                 <a:spcPct val="115000"/>
               </a:lnSpc>
@@ -18305,15 +18223,24 @@
               <a:spcAft>
                 <a:spcPts val="0"/>
               </a:spcAft>
+              <a:buClr>
+                <a:srgbClr val="000000"/>
+              </a:buClr>
+              <a:buSzPts val="2500"/>
+              <a:buFont typeface="Arial"/>
               <a:buNone/>
             </a:pPr>
             <a:r>
               <a:t/>
             </a:r>
-            <a:endParaRPr sz="2500">
+            <a:endParaRPr b="0" i="0" sz="2500" u="none" cap="none" strike="noStrike">
               <a:solidFill>
                 <a:schemeClr val="dk1"/>
               </a:solidFill>
+              <a:latin typeface="Arial"/>
+              <a:ea typeface="Arial"/>
+              <a:cs typeface="Arial"/>
+              <a:sym typeface="Arial"/>
             </a:endParaRPr>
           </a:p>
         </p:txBody>
@@ -18331,7 +18258,7 @@
   <p:cSld>
     <p:spTree>
       <p:nvGrpSpPr>
-        <p:cNvPr id="136" name="Shape 136"/>
+        <p:cNvPr id="137" name="Shape 137"/>
         <p:cNvGrpSpPr/>
         <p:nvPr/>
       </p:nvGrpSpPr>
@@ -18345,7 +18272,7 @@
       </p:grpSpPr>
       <p:sp>
         <p:nvSpPr>
-          <p:cNvPr id="137" name="Google Shape;137;p7"/>
+          <p:cNvPr id="138" name="Google Shape;138;p7"/>
           <p:cNvSpPr txBox="1"/>
           <p:nvPr>
             <p:ph type="title"/>
@@ -18409,17 +18336,16 @@
       </p:sp>
       <p:pic>
         <p:nvPicPr>
-          <p:cNvPr id="138" name="Google Shape;138;p7"/>
+          <p:cNvPr id="139" name="Google Shape;139;p7"/>
           <p:cNvPicPr preferRelativeResize="0"/>
           <p:nvPr/>
         </p:nvPicPr>
-        <p:blipFill>
+        <p:blipFill rotWithShape="1">
           <a:blip r:embed="rId3">
             <a:alphaModFix/>
           </a:blip>
-          <a:stretch>
-            <a:fillRect/>
-          </a:stretch>
+          <a:srcRect b="0" l="0" r="0" t="0"/>
+          <a:stretch/>
         </p:blipFill>
         <p:spPr>
           <a:xfrm>
@@ -18437,17 +18363,16 @@
       </p:pic>
       <p:pic>
         <p:nvPicPr>
-          <p:cNvPr id="139" name="Google Shape;139;p7"/>
+          <p:cNvPr id="140" name="Google Shape;140;p7"/>
           <p:cNvPicPr preferRelativeResize="0"/>
           <p:nvPr/>
         </p:nvPicPr>
-        <p:blipFill>
+        <p:blipFill rotWithShape="1">
           <a:blip r:embed="rId4">
             <a:alphaModFix/>
           </a:blip>
-          <a:stretch>
-            <a:fillRect/>
-          </a:stretch>
+          <a:srcRect b="0" l="0" r="0" t="0"/>
+          <a:stretch/>
         </p:blipFill>
         <p:spPr>
           <a:xfrm>
@@ -18465,17 +18390,16 @@
       </p:pic>
       <p:pic>
         <p:nvPicPr>
-          <p:cNvPr id="140" name="Google Shape;140;p7"/>
+          <p:cNvPr id="141" name="Google Shape;141;p7"/>
           <p:cNvPicPr preferRelativeResize="0"/>
           <p:nvPr/>
         </p:nvPicPr>
-        <p:blipFill>
+        <p:blipFill rotWithShape="1">
           <a:blip r:embed="rId5">
             <a:alphaModFix/>
           </a:blip>
-          <a:stretch>
-            <a:fillRect/>
-          </a:stretch>
+          <a:srcRect b="0" l="0" r="0" t="0"/>
+          <a:stretch/>
         </p:blipFill>
         <p:spPr>
           <a:xfrm>
@@ -18504,7 +18428,7 @@
   <p:cSld>
     <p:spTree>
       <p:nvGrpSpPr>
-        <p:cNvPr id="144" name="Shape 144"/>
+        <p:cNvPr id="145" name="Shape 145"/>
         <p:cNvGrpSpPr/>
         <p:nvPr/>
       </p:nvGrpSpPr>
@@ -18518,7 +18442,7 @@
       </p:grpSpPr>
       <p:sp>
         <p:nvSpPr>
-          <p:cNvPr id="145" name="Google Shape;145;p8"/>
+          <p:cNvPr id="146" name="Google Shape;146;p8"/>
           <p:cNvSpPr txBox="1"/>
           <p:nvPr>
             <p:ph type="title"/>
@@ -18582,45 +18506,16 @@
       </p:sp>
       <p:pic>
         <p:nvPicPr>
-          <p:cNvPr id="146" name="Google Shape;146;p8"/>
-          <p:cNvPicPr preferRelativeResize="0"/>
-          <p:nvPr/>
-        </p:nvPicPr>
-        <p:blipFill>
-          <a:blip r:embed="rId3">
-            <a:alphaModFix/>
-          </a:blip>
-          <a:stretch>
-            <a:fillRect/>
-          </a:stretch>
-        </p:blipFill>
-        <p:spPr>
-          <a:xfrm>
-            <a:off x="3857875" y="2647350"/>
-            <a:ext cx="4213675" cy="3306800"/>
-          </a:xfrm>
-          <a:prstGeom prst="rect">
-            <a:avLst/>
-          </a:prstGeom>
-          <a:noFill/>
-          <a:ln>
-            <a:noFill/>
-          </a:ln>
-        </p:spPr>
-      </p:pic>
-      <p:pic>
-        <p:nvPicPr>
           <p:cNvPr id="147" name="Google Shape;147;p8"/>
           <p:cNvPicPr preferRelativeResize="0"/>
           <p:nvPr/>
         </p:nvPicPr>
-        <p:blipFill>
-          <a:blip r:embed="rId4">
+        <p:blipFill rotWithShape="1">
+          <a:blip r:embed="rId3">
             <a:alphaModFix/>
           </a:blip>
-          <a:stretch>
-            <a:fillRect/>
-          </a:stretch>
+          <a:srcRect b="0" l="0" r="0" t="0"/>
+          <a:stretch/>
         </p:blipFill>
         <p:spPr>
           <a:xfrm>
@@ -18642,6 +18537,33 @@
           <p:cNvPicPr preferRelativeResize="0"/>
           <p:nvPr/>
         </p:nvPicPr>
+        <p:blipFill rotWithShape="1">
+          <a:blip r:embed="rId4">
+            <a:alphaModFix/>
+          </a:blip>
+          <a:srcRect b="0" l="0" r="0" t="0"/>
+          <a:stretch/>
+        </p:blipFill>
+        <p:spPr>
+          <a:xfrm>
+            <a:off x="0" y="1473327"/>
+            <a:ext cx="3795701" cy="2912126"/>
+          </a:xfrm>
+          <a:prstGeom prst="rect">
+            <a:avLst/>
+          </a:prstGeom>
+          <a:noFill/>
+          <a:ln>
+            <a:noFill/>
+          </a:ln>
+        </p:spPr>
+      </p:pic>
+      <p:pic>
+        <p:nvPicPr>
+          <p:cNvPr id="149" name="Google Shape;149;p8"/>
+          <p:cNvPicPr preferRelativeResize="0"/>
+          <p:nvPr/>
+        </p:nvPicPr>
         <p:blipFill>
           <a:blip r:embed="rId5">
             <a:alphaModFix/>
@@ -18652,8 +18574,8 @@
         </p:blipFill>
         <p:spPr>
           <a:xfrm>
-            <a:off x="0" y="1473327"/>
-            <a:ext cx="3795701" cy="2912126"/>
+            <a:off x="3948101" y="2653419"/>
+            <a:ext cx="4033224" cy="3165193"/>
           </a:xfrm>
           <a:prstGeom prst="rect">
             <a:avLst/>
@@ -18677,7 +18599,7 @@
   <p:cSld>
     <p:spTree>
       <p:nvGrpSpPr>
-        <p:cNvPr id="152" name="Shape 152"/>
+        <p:cNvPr id="153" name="Shape 153"/>
         <p:cNvGrpSpPr/>
         <p:nvPr/>
       </p:nvGrpSpPr>
@@ -18691,7 +18613,7 @@
       </p:grpSpPr>
       <p:sp>
         <p:nvSpPr>
-          <p:cNvPr id="153" name="Google Shape;153;g1e45831d18a_3_9"/>
+          <p:cNvPr id="154" name="Google Shape;154;g1e45831d18a_3_9"/>
           <p:cNvSpPr txBox="1"/>
           <p:nvPr>
             <p:ph type="title"/>
@@ -18755,14 +18677,14 @@
       </p:sp>
       <p:sp>
         <p:nvSpPr>
-          <p:cNvPr id="154" name="Google Shape;154;g1e45831d18a_3_9"/>
+          <p:cNvPr id="155" name="Google Shape;155;g1e45831d18a_3_9"/>
           <p:cNvSpPr txBox="1"/>
           <p:nvPr/>
         </p:nvSpPr>
         <p:spPr>
           <a:xfrm>
-            <a:off x="4130025" y="3228900"/>
-            <a:ext cx="3168000" cy="400200"/>
+            <a:off x="3991275" y="3228900"/>
+            <a:ext cx="3445500" cy="400200"/>
           </a:xfrm>
           <a:prstGeom prst="rect">
             <a:avLst/>
@@ -18778,13 +18700,21 @@
           </a:bodyPr>
           <a:lstStyle/>
           <a:p>
-            <a:pPr indent="0" lvl="0" marL="0" rtl="0" algn="l">
-              <a:spcBef>
-                <a:spcPts val="0"/>
-              </a:spcBef>
-              <a:spcAft>
-                <a:spcPts val="0"/>
-              </a:spcAft>
+            <a:pPr indent="0" lvl="0" marL="0" marR="0" rtl="0" algn="l">
+              <a:lnSpc>
+                <a:spcPct val="100000"/>
+              </a:lnSpc>
+              <a:spcBef>
+                <a:spcPts val="0"/>
+              </a:spcBef>
+              <a:spcAft>
+                <a:spcPts val="0"/>
+              </a:spcAft>
+              <a:buClr>
+                <a:srgbClr val="000000"/>
+              </a:buClr>
+              <a:buSzPts val="1400"/>
+              <a:buFont typeface="Arial"/>
               <a:buNone/>
             </a:pPr>
             <a:r>
@@ -18798,9 +18728,12 @@
                 <a:sym typeface="Calibri"/>
                 <a:hlinkClick r:id="rId3"/>
               </a:rPr>
-              <a:t>https://github.com/perrotombo/dolhack</a:t>
+              <a:t>https://github.com/brayanlinares25/dolhack</a:t>
             </a:r>
-            <a:endParaRPr>
+            <a:endParaRPr b="0" i="0" sz="1400" u="none" cap="none" strike="noStrike">
+              <a:solidFill>
+                <a:srgbClr val="000000"/>
+              </a:solidFill>
               <a:latin typeface="Calibri"/>
               <a:ea typeface="Calibri"/>
               <a:cs typeface="Calibri"/>
